--- a/images/logos.pptx
+++ b/images/logos.pptx
@@ -104,6 +104,11 @@
       </a:defRPr>
     </a:lvl9pPr>
   </p:defaultTextStyle>
+  <p:extLst>
+    <p:ext uri="{EFAFB233-063F-42B5-8137-9DF3F51BA10A}">
+      <p15:sldGuideLst xmlns:p15="http://schemas.microsoft.com/office/powerpoint/2012/main"/>
+    </p:ext>
+  </p:extLst>
 </p:presentation>
 </file>
 
@@ -3522,6 +3527,59 @@
           </a:prstGeom>
         </p:spPr>
       </p:pic>
+      <p:sp>
+        <p:nvSpPr>
+          <p:cNvPr id="7" name="Textfeld 6">
+            <a:extLst>
+              <a:ext uri="{FF2B5EF4-FFF2-40B4-BE49-F238E27FC236}">
+                <a16:creationId xmlns:a16="http://schemas.microsoft.com/office/drawing/2014/main" id="{7811A02D-BA85-A74E-AC0B-2D9D66D4244A}"/>
+              </a:ext>
+            </a:extLst>
+          </p:cNvPr>
+          <p:cNvSpPr txBox="1"/>
+          <p:nvPr/>
+        </p:nvSpPr>
+        <p:spPr>
+          <a:xfrm>
+            <a:off x="422456" y="3271553"/>
+            <a:ext cx="6304916" cy="314894"/>
+          </a:xfrm>
+          <a:prstGeom prst="rect">
+            <a:avLst/>
+          </a:prstGeom>
+          <a:noFill/>
+        </p:spPr>
+        <p:txBody>
+          <a:bodyPr wrap="square" rtlCol="0" anchor="ctr">
+            <a:spAutoFit/>
+          </a:bodyPr>
+          <a:lstStyle/>
+          <a:p>
+            <a:pPr algn="ctr">
+              <a:lnSpc>
+                <a:spcPts val="1500"/>
+              </a:lnSpc>
+            </a:pPr>
+            <a:r>
+              <a:rPr lang="en-US" sz="2400" b="1" dirty="0">
+                <a:solidFill>
+                  <a:srgbClr val="00C47F"/>
+                </a:solidFill>
+                <a:latin typeface="Arial" panose="020B0604020202020204" pitchFamily="34" charset="0"/>
+                <a:cs typeface="Arial" panose="020B0604020202020204" pitchFamily="34" charset="0"/>
+              </a:rPr>
+              <a:t>MORSE</a:t>
+            </a:r>
+            <a:endParaRPr lang="en-US" sz="1200" b="1" dirty="0">
+              <a:solidFill>
+                <a:srgbClr val="00C47F"/>
+              </a:solidFill>
+              <a:latin typeface="Arial" panose="020B0604020202020204" pitchFamily="34" charset="0"/>
+              <a:cs typeface="Arial" panose="020B0604020202020204" pitchFamily="34" charset="0"/>
+            </a:endParaRPr>
+          </a:p>
+        </p:txBody>
+      </p:sp>
     </p:spTree>
     <p:extLst>
       <p:ext uri="{BB962C8B-B14F-4D97-AF65-F5344CB8AC3E}">

--- a/images/logos.pptx
+++ b/images/logos.pptx
@@ -6,6 +6,7 @@
   </p:sldMasterIdLst>
   <p:sldIdLst>
     <p:sldId id="256" r:id="rId2"/>
+    <p:sldId id="257" r:id="rId3"/>
   </p:sldIdLst>
   <p:sldSz cx="12192000" cy="6858000"/>
   <p:notesSz cx="6858000" cy="9144000"/>
@@ -3593,6 +3594,65 @@
 </p:sld>
 </file>
 
+<file path=ppt/slides/slide2.xml><?xml version="1.0" encoding="utf-8"?>
+<p:sld xmlns:a="http://schemas.openxmlformats.org/drawingml/2006/main" xmlns:r="http://schemas.openxmlformats.org/officeDocument/2006/relationships" xmlns:p="http://schemas.openxmlformats.org/presentationml/2006/main">
+  <p:cSld>
+    <p:spTree>
+      <p:nvGrpSpPr>
+        <p:cNvPr id="1" name=""/>
+        <p:cNvGrpSpPr/>
+        <p:nvPr/>
+      </p:nvGrpSpPr>
+      <p:grpSpPr>
+        <a:xfrm>
+          <a:off x="0" y="0"/>
+          <a:ext cx="0" cy="0"/>
+          <a:chOff x="0" y="0"/>
+          <a:chExt cx="0" cy="0"/>
+        </a:xfrm>
+      </p:grpSpPr>
+      <p:pic>
+        <p:nvPicPr>
+          <p:cNvPr id="3" name="Grafik 2" descr="Ein Bild, das drinnen, Küche, Schrank, Person enthält.&#10;&#10;Automatisch generierte Beschreibung">
+            <a:extLst>
+              <a:ext uri="{FF2B5EF4-FFF2-40B4-BE49-F238E27FC236}">
+                <a16:creationId xmlns:a16="http://schemas.microsoft.com/office/drawing/2014/main" id="{09514802-D3C1-0642-8BC0-D5BE6EC9B4AE}"/>
+              </a:ext>
+            </a:extLst>
+          </p:cNvPr>
+          <p:cNvPicPr>
+            <a:picLocks noChangeAspect="1"/>
+          </p:cNvPicPr>
+          <p:nvPr/>
+        </p:nvPicPr>
+        <p:blipFill rotWithShape="1">
+          <a:blip r:embed="rId2"/>
+          <a:srcRect b="52016"/>
+          <a:stretch/>
+        </p:blipFill>
+        <p:spPr>
+          <a:xfrm>
+            <a:off x="1389481" y="400833"/>
+            <a:ext cx="9132381" cy="2455102"/>
+          </a:xfrm>
+          <a:prstGeom prst="rect">
+            <a:avLst/>
+          </a:prstGeom>
+        </p:spPr>
+      </p:pic>
+    </p:spTree>
+    <p:extLst>
+      <p:ext uri="{BB962C8B-B14F-4D97-AF65-F5344CB8AC3E}">
+        <p14:creationId xmlns:p14="http://schemas.microsoft.com/office/powerpoint/2010/main" val="161339925"/>
+      </p:ext>
+    </p:extLst>
+  </p:cSld>
+  <p:clrMapOvr>
+    <a:masterClrMapping/>
+  </p:clrMapOvr>
+</p:sld>
+</file>
+
 <file path=ppt/theme/theme1.xml><?xml version="1.0" encoding="utf-8"?>
 <a:theme xmlns:a="http://schemas.openxmlformats.org/drawingml/2006/main" name="Office">
   <a:themeElements>

--- a/images/logos.pptx
+++ b/images/logos.pptx
@@ -3626,7 +3626,9 @@
           <p:nvPr/>
         </p:nvPicPr>
         <p:blipFill rotWithShape="1">
-          <a:blip r:embed="rId2"/>
+          <a:blip r:embed="rId2">
+            <a:alphaModFix amt="50000"/>
+          </a:blip>
           <a:srcRect b="52016"/>
           <a:stretch/>
         </p:blipFill>
